--- a/doc/모바일 인증.pptx
+++ b/doc/모바일 인증.pptx
@@ -9,6 +9,7 @@
     <p:sldId id="258" r:id="rId3"/>
     <p:sldId id="260" r:id="rId4"/>
     <p:sldId id="259" r:id="rId5"/>
+    <p:sldId id="261" r:id="rId6"/>
   </p:sldIdLst>
   <p:sldSz cx="12192000" cy="6858000"/>
   <p:notesSz cx="6858000" cy="9144000"/>
@@ -262,7 +263,7 @@
           <a:p>
             <a:fld id="{09C8DD7E-E683-4BD3-AEF7-054A28AAE205}" type="datetimeFigureOut">
               <a:rPr lang="ko-KR" altLang="en-US" smtClean="0"/>
-              <a:t>2021-02-01</a:t>
+              <a:t>2021-02-03</a:t>
             </a:fld>
             <a:endParaRPr lang="ko-KR" altLang="en-US"/>
           </a:p>
@@ -460,7 +461,7 @@
           <a:p>
             <a:fld id="{09C8DD7E-E683-4BD3-AEF7-054A28AAE205}" type="datetimeFigureOut">
               <a:rPr lang="ko-KR" altLang="en-US" smtClean="0"/>
-              <a:t>2021-02-01</a:t>
+              <a:t>2021-02-03</a:t>
             </a:fld>
             <a:endParaRPr lang="ko-KR" altLang="en-US"/>
           </a:p>
@@ -668,7 +669,7 @@
           <a:p>
             <a:fld id="{09C8DD7E-E683-4BD3-AEF7-054A28AAE205}" type="datetimeFigureOut">
               <a:rPr lang="ko-KR" altLang="en-US" smtClean="0"/>
-              <a:t>2021-02-01</a:t>
+              <a:t>2021-02-03</a:t>
             </a:fld>
             <a:endParaRPr lang="ko-KR" altLang="en-US"/>
           </a:p>
@@ -866,7 +867,7 @@
           <a:p>
             <a:fld id="{09C8DD7E-E683-4BD3-AEF7-054A28AAE205}" type="datetimeFigureOut">
               <a:rPr lang="ko-KR" altLang="en-US" smtClean="0"/>
-              <a:t>2021-02-01</a:t>
+              <a:t>2021-02-03</a:t>
             </a:fld>
             <a:endParaRPr lang="ko-KR" altLang="en-US"/>
           </a:p>
@@ -1141,7 +1142,7 @@
           <a:p>
             <a:fld id="{09C8DD7E-E683-4BD3-AEF7-054A28AAE205}" type="datetimeFigureOut">
               <a:rPr lang="ko-KR" altLang="en-US" smtClean="0"/>
-              <a:t>2021-02-01</a:t>
+              <a:t>2021-02-03</a:t>
             </a:fld>
             <a:endParaRPr lang="ko-KR" altLang="en-US"/>
           </a:p>
@@ -1406,7 +1407,7 @@
           <a:p>
             <a:fld id="{09C8DD7E-E683-4BD3-AEF7-054A28AAE205}" type="datetimeFigureOut">
               <a:rPr lang="ko-KR" altLang="en-US" smtClean="0"/>
-              <a:t>2021-02-01</a:t>
+              <a:t>2021-02-03</a:t>
             </a:fld>
             <a:endParaRPr lang="ko-KR" altLang="en-US"/>
           </a:p>
@@ -1818,7 +1819,7 @@
           <a:p>
             <a:fld id="{09C8DD7E-E683-4BD3-AEF7-054A28AAE205}" type="datetimeFigureOut">
               <a:rPr lang="ko-KR" altLang="en-US" smtClean="0"/>
-              <a:t>2021-02-01</a:t>
+              <a:t>2021-02-03</a:t>
             </a:fld>
             <a:endParaRPr lang="ko-KR" altLang="en-US"/>
           </a:p>
@@ -1959,7 +1960,7 @@
           <a:p>
             <a:fld id="{09C8DD7E-E683-4BD3-AEF7-054A28AAE205}" type="datetimeFigureOut">
               <a:rPr lang="ko-KR" altLang="en-US" smtClean="0"/>
-              <a:t>2021-02-01</a:t>
+              <a:t>2021-02-03</a:t>
             </a:fld>
             <a:endParaRPr lang="ko-KR" altLang="en-US"/>
           </a:p>
@@ -2072,7 +2073,7 @@
           <a:p>
             <a:fld id="{09C8DD7E-E683-4BD3-AEF7-054A28AAE205}" type="datetimeFigureOut">
               <a:rPr lang="ko-KR" altLang="en-US" smtClean="0"/>
-              <a:t>2021-02-01</a:t>
+              <a:t>2021-02-03</a:t>
             </a:fld>
             <a:endParaRPr lang="ko-KR" altLang="en-US"/>
           </a:p>
@@ -2383,7 +2384,7 @@
           <a:p>
             <a:fld id="{09C8DD7E-E683-4BD3-AEF7-054A28AAE205}" type="datetimeFigureOut">
               <a:rPr lang="ko-KR" altLang="en-US" smtClean="0"/>
-              <a:t>2021-02-01</a:t>
+              <a:t>2021-02-03</a:t>
             </a:fld>
             <a:endParaRPr lang="ko-KR" altLang="en-US"/>
           </a:p>
@@ -2671,7 +2672,7 @@
           <a:p>
             <a:fld id="{09C8DD7E-E683-4BD3-AEF7-054A28AAE205}" type="datetimeFigureOut">
               <a:rPr lang="ko-KR" altLang="en-US" smtClean="0"/>
-              <a:t>2021-02-01</a:t>
+              <a:t>2021-02-03</a:t>
             </a:fld>
             <a:endParaRPr lang="ko-KR" altLang="en-US"/>
           </a:p>
@@ -2912,7 +2913,7 @@
           <a:p>
             <a:fld id="{09C8DD7E-E683-4BD3-AEF7-054A28AAE205}" type="datetimeFigureOut">
               <a:rPr lang="ko-KR" altLang="en-US" smtClean="0"/>
-              <a:t>2021-02-01</a:t>
+              <a:t>2021-02-03</a:t>
             </a:fld>
             <a:endParaRPr lang="ko-KR" altLang="en-US"/>
           </a:p>
@@ -5091,6 +5092,376 @@
 </p:sld>
 </file>
 
+<file path=ppt/slides/slide5.xml><?xml version="1.0" encoding="utf-8"?>
+<p:sld xmlns:a="http://schemas.openxmlformats.org/drawingml/2006/main" xmlns:r="http://schemas.openxmlformats.org/officeDocument/2006/relationships" xmlns:p="http://schemas.openxmlformats.org/presentationml/2006/main">
+  <p:cSld>
+    <p:spTree>
+      <p:nvGrpSpPr>
+        <p:cNvPr id="1" name=""/>
+        <p:cNvGrpSpPr/>
+        <p:nvPr/>
+      </p:nvGrpSpPr>
+      <p:grpSpPr>
+        <a:xfrm>
+          <a:off x="0" y="0"/>
+          <a:ext cx="0" cy="0"/>
+          <a:chOff x="0" y="0"/>
+          <a:chExt cx="0" cy="0"/>
+        </a:xfrm>
+      </p:grpSpPr>
+      <p:sp>
+        <p:nvSpPr>
+          <p:cNvPr id="58" name="TextBox 57">
+            <a:extLst>
+              <a:ext uri="{FF2B5EF4-FFF2-40B4-BE49-F238E27FC236}">
+                <a16:creationId xmlns:a16="http://schemas.microsoft.com/office/drawing/2014/main" id="{516FEFF4-774E-4580-B2ED-0032C743CCCC}"/>
+              </a:ext>
+            </a:extLst>
+          </p:cNvPr>
+          <p:cNvSpPr txBox="1"/>
+          <p:nvPr/>
+        </p:nvSpPr>
+        <p:spPr>
+          <a:xfrm>
+            <a:off x="341699" y="285632"/>
+            <a:ext cx="3293402" cy="400110"/>
+          </a:xfrm>
+          <a:prstGeom prst="rect">
+            <a:avLst/>
+          </a:prstGeom>
+          <a:noFill/>
+        </p:spPr>
+        <p:txBody>
+          <a:bodyPr wrap="none" rtlCol="0">
+            <a:spAutoFit/>
+          </a:bodyPr>
+          <a:lstStyle/>
+          <a:p>
+            <a:r>
+              <a:rPr lang="en-US" altLang="ko-KR" sz="2000" b="1" dirty="0">
+                <a:latin typeface="+mj-lt"/>
+              </a:rPr>
+              <a:t>3. </a:t>
+            </a:r>
+            <a:r>
+              <a:rPr lang="ko-KR" altLang="en-US" sz="2000" b="1" dirty="0">
+                <a:latin typeface="+mj-lt"/>
+              </a:rPr>
+              <a:t>로그인 구현 </a:t>
+            </a:r>
+            <a:r>
+              <a:rPr lang="en-US" altLang="ko-KR" sz="2000" b="1" dirty="0">
+                <a:latin typeface="+mj-lt"/>
+              </a:rPr>
+              <a:t>(front-end)</a:t>
+            </a:r>
+            <a:endParaRPr lang="ko-KR" altLang="en-US" sz="2000" b="1" dirty="0">
+              <a:latin typeface="+mj-lt"/>
+            </a:endParaRPr>
+          </a:p>
+        </p:txBody>
+      </p:sp>
+      <p:sp>
+        <p:nvSpPr>
+          <p:cNvPr id="6" name="TextBox 5">
+            <a:extLst>
+              <a:ext uri="{FF2B5EF4-FFF2-40B4-BE49-F238E27FC236}">
+                <a16:creationId xmlns:a16="http://schemas.microsoft.com/office/drawing/2014/main" id="{F288203A-D480-46C4-BA20-572ABBC8F664}"/>
+              </a:ext>
+            </a:extLst>
+          </p:cNvPr>
+          <p:cNvSpPr txBox="1"/>
+          <p:nvPr/>
+        </p:nvSpPr>
+        <p:spPr>
+          <a:xfrm>
+            <a:off x="279401" y="793532"/>
+            <a:ext cx="2311658" cy="338554"/>
+          </a:xfrm>
+          <a:prstGeom prst="rect">
+            <a:avLst/>
+          </a:prstGeom>
+          <a:noFill/>
+        </p:spPr>
+        <p:txBody>
+          <a:bodyPr wrap="none" rtlCol="0">
+            <a:spAutoFit/>
+          </a:bodyPr>
+          <a:lstStyle/>
+          <a:p>
+            <a:pPr marL="285750" indent="-285750">
+              <a:buFont typeface="Wingdings" panose="05000000000000000000" pitchFamily="2" charset="2"/>
+              <a:buChar char="Ø"/>
+            </a:pPr>
+            <a:r>
+              <a:rPr lang="en-US" altLang="ko-KR" sz="1600" dirty="0"/>
+              <a:t>./</a:t>
+            </a:r>
+            <a:r>
+              <a:rPr lang="en-US" altLang="ko-KR" sz="1600" dirty="0" err="1"/>
+              <a:t>src</a:t>
+            </a:r>
+            <a:r>
+              <a:rPr lang="en-US" altLang="ko-KR" sz="1600" dirty="0"/>
+              <a:t>/AuthProvider.js</a:t>
+            </a:r>
+            <a:endParaRPr lang="ko-KR" altLang="en-US" sz="1600" dirty="0"/>
+          </a:p>
+        </p:txBody>
+      </p:sp>
+      <p:pic>
+        <p:nvPicPr>
+          <p:cNvPr id="3" name="그림 2">
+            <a:extLst>
+              <a:ext uri="{FF2B5EF4-FFF2-40B4-BE49-F238E27FC236}">
+                <a16:creationId xmlns:a16="http://schemas.microsoft.com/office/drawing/2014/main" id="{2B1FFD4D-7465-4125-B279-8711457CC22C}"/>
+              </a:ext>
+            </a:extLst>
+          </p:cNvPr>
+          <p:cNvPicPr>
+            <a:picLocks noChangeAspect="1"/>
+          </p:cNvPicPr>
+          <p:nvPr/>
+        </p:nvPicPr>
+        <p:blipFill>
+          <a:blip r:embed="rId2"/>
+          <a:stretch>
+            <a:fillRect/>
+          </a:stretch>
+        </p:blipFill>
+        <p:spPr>
+          <a:xfrm>
+            <a:off x="490966" y="2089059"/>
+            <a:ext cx="7818798" cy="4366638"/>
+          </a:xfrm>
+          <a:prstGeom prst="rect">
+            <a:avLst/>
+          </a:prstGeom>
+        </p:spPr>
+      </p:pic>
+      <p:pic>
+        <p:nvPicPr>
+          <p:cNvPr id="5" name="그림 4">
+            <a:extLst>
+              <a:ext uri="{FF2B5EF4-FFF2-40B4-BE49-F238E27FC236}">
+                <a16:creationId xmlns:a16="http://schemas.microsoft.com/office/drawing/2014/main" id="{75A5DA4C-4E7C-4A29-84AC-68DC77F7ECF5}"/>
+              </a:ext>
+            </a:extLst>
+          </p:cNvPr>
+          <p:cNvPicPr>
+            <a:picLocks noChangeAspect="1"/>
+          </p:cNvPicPr>
+          <p:nvPr/>
+        </p:nvPicPr>
+        <p:blipFill>
+          <a:blip r:embed="rId3"/>
+          <a:stretch>
+            <a:fillRect/>
+          </a:stretch>
+        </p:blipFill>
+        <p:spPr>
+          <a:xfrm>
+            <a:off x="490966" y="1642715"/>
+            <a:ext cx="7696867" cy="289585"/>
+          </a:xfrm>
+          <a:prstGeom prst="rect">
+            <a:avLst/>
+          </a:prstGeom>
+        </p:spPr>
+      </p:pic>
+      <p:sp>
+        <p:nvSpPr>
+          <p:cNvPr id="8" name="TextBox 7">
+            <a:extLst>
+              <a:ext uri="{FF2B5EF4-FFF2-40B4-BE49-F238E27FC236}">
+                <a16:creationId xmlns:a16="http://schemas.microsoft.com/office/drawing/2014/main" id="{4645DB42-2DD7-4113-8DC7-F8067FC3A223}"/>
+              </a:ext>
+            </a:extLst>
+          </p:cNvPr>
+          <p:cNvSpPr txBox="1"/>
+          <p:nvPr/>
+        </p:nvSpPr>
+        <p:spPr>
+          <a:xfrm>
+            <a:off x="6416320" y="2519941"/>
+            <a:ext cx="1733167" cy="369332"/>
+          </a:xfrm>
+          <a:prstGeom prst="rect">
+            <a:avLst/>
+          </a:prstGeom>
+          <a:noFill/>
+        </p:spPr>
+        <p:txBody>
+          <a:bodyPr wrap="none" rtlCol="0">
+            <a:spAutoFit/>
+          </a:bodyPr>
+          <a:lstStyle/>
+          <a:p>
+            <a:r>
+              <a:rPr lang="ko-KR" altLang="en-US">
+                <a:solidFill>
+                  <a:srgbClr val="FF0000"/>
+                </a:solidFill>
+              </a:rPr>
+              <a:t>서버 </a:t>
+            </a:r>
+            <a:r>
+              <a:rPr lang="ko-KR" altLang="en-US" dirty="0">
+                <a:solidFill>
+                  <a:srgbClr val="FF0000"/>
+                </a:solidFill>
+              </a:rPr>
+              <a:t>요청 단계</a:t>
+            </a:r>
+          </a:p>
+        </p:txBody>
+      </p:sp>
+      <p:sp>
+        <p:nvSpPr>
+          <p:cNvPr id="9" name="TextBox 8">
+            <a:extLst>
+              <a:ext uri="{FF2B5EF4-FFF2-40B4-BE49-F238E27FC236}">
+                <a16:creationId xmlns:a16="http://schemas.microsoft.com/office/drawing/2014/main" id="{C0FF82D3-0387-4D6F-AA6F-BC726EB19284}"/>
+              </a:ext>
+            </a:extLst>
+          </p:cNvPr>
+          <p:cNvSpPr txBox="1"/>
+          <p:nvPr/>
+        </p:nvSpPr>
+        <p:spPr>
+          <a:xfrm>
+            <a:off x="6959738" y="1602841"/>
+            <a:ext cx="1189749" cy="369332"/>
+          </a:xfrm>
+          <a:prstGeom prst="rect">
+            <a:avLst/>
+          </a:prstGeom>
+          <a:noFill/>
+        </p:spPr>
+        <p:txBody>
+          <a:bodyPr wrap="none" rtlCol="0">
+            <a:spAutoFit/>
+          </a:bodyPr>
+          <a:lstStyle/>
+          <a:p>
+            <a:r>
+              <a:rPr lang="ko-KR" altLang="en-US" dirty="0">
+                <a:solidFill>
+                  <a:srgbClr val="FF0000"/>
+                </a:solidFill>
+              </a:rPr>
+              <a:t>서버 주소</a:t>
+            </a:r>
+          </a:p>
+        </p:txBody>
+      </p:sp>
+      <p:sp>
+        <p:nvSpPr>
+          <p:cNvPr id="10" name="TextBox 9">
+            <a:extLst>
+              <a:ext uri="{FF2B5EF4-FFF2-40B4-BE49-F238E27FC236}">
+                <a16:creationId xmlns:a16="http://schemas.microsoft.com/office/drawing/2014/main" id="{72FFF1EC-B645-4E85-81D1-B2D2E99F607E}"/>
+              </a:ext>
+            </a:extLst>
+          </p:cNvPr>
+          <p:cNvSpPr txBox="1"/>
+          <p:nvPr/>
+        </p:nvSpPr>
+        <p:spPr>
+          <a:xfrm>
+            <a:off x="4519005" y="4320701"/>
+            <a:ext cx="3794629" cy="369332"/>
+          </a:xfrm>
+          <a:prstGeom prst="rect">
+            <a:avLst/>
+          </a:prstGeom>
+          <a:noFill/>
+        </p:spPr>
+        <p:txBody>
+          <a:bodyPr wrap="none" rtlCol="0">
+            <a:spAutoFit/>
+          </a:bodyPr>
+          <a:lstStyle/>
+          <a:p>
+            <a:r>
+              <a:rPr lang="ko-KR" altLang="en-US" dirty="0">
+                <a:solidFill>
+                  <a:srgbClr val="FF0000"/>
+                </a:solidFill>
+              </a:rPr>
+              <a:t>서버에서 받은 토큰</a:t>
+            </a:r>
+            <a:r>
+              <a:rPr lang="en-US" altLang="ko-KR" dirty="0">
+                <a:solidFill>
+                  <a:srgbClr val="FF0000"/>
+                </a:solidFill>
+              </a:rPr>
+              <a:t>, </a:t>
+            </a:r>
+            <a:r>
+              <a:rPr lang="ko-KR" altLang="en-US" dirty="0">
+                <a:solidFill>
+                  <a:srgbClr val="FF0000"/>
+                </a:solidFill>
+              </a:rPr>
+              <a:t>유저정보 저장</a:t>
+            </a:r>
+          </a:p>
+        </p:txBody>
+      </p:sp>
+      <p:sp>
+        <p:nvSpPr>
+          <p:cNvPr id="11" name="TextBox 10">
+            <a:extLst>
+              <a:ext uri="{FF2B5EF4-FFF2-40B4-BE49-F238E27FC236}">
+                <a16:creationId xmlns:a16="http://schemas.microsoft.com/office/drawing/2014/main" id="{77E95CAE-082E-4426-8776-4FED85C92A3E}"/>
+              </a:ext>
+            </a:extLst>
+          </p:cNvPr>
+          <p:cNvSpPr txBox="1"/>
+          <p:nvPr/>
+        </p:nvSpPr>
+        <p:spPr>
+          <a:xfrm>
+            <a:off x="7201768" y="5602537"/>
+            <a:ext cx="1107996" cy="369332"/>
+          </a:xfrm>
+          <a:prstGeom prst="rect">
+            <a:avLst/>
+          </a:prstGeom>
+          <a:noFill/>
+        </p:spPr>
+        <p:txBody>
+          <a:bodyPr wrap="none" rtlCol="0">
+            <a:spAutoFit/>
+          </a:bodyPr>
+          <a:lstStyle/>
+          <a:p>
+            <a:r>
+              <a:rPr lang="ko-KR" altLang="en-US" dirty="0">
+                <a:solidFill>
+                  <a:srgbClr val="FF0000"/>
+                </a:solidFill>
+              </a:rPr>
+              <a:t>에러처리</a:t>
+            </a:r>
+          </a:p>
+        </p:txBody>
+      </p:sp>
+    </p:spTree>
+    <p:extLst>
+      <p:ext uri="{BB962C8B-B14F-4D97-AF65-F5344CB8AC3E}">
+        <p14:creationId xmlns:p14="http://schemas.microsoft.com/office/powerpoint/2010/main" val="2503369292"/>
+      </p:ext>
+    </p:extLst>
+  </p:cSld>
+  <p:clrMapOvr>
+    <a:masterClrMapping/>
+  </p:clrMapOvr>
+</p:sld>
+</file>
+
 <file path=ppt/theme/theme1.xml><?xml version="1.0" encoding="utf-8"?>
 <a:theme xmlns:a="http://schemas.openxmlformats.org/drawingml/2006/main" name="Office 테마">
   <a:themeElements>
